--- a/项目汇报/中期进度报告.pptx
+++ b/项目汇报/中期进度报告.pptx
@@ -10960,7 +10960,7 @@
           <a:p>
             <a:pPr rtl="0"/>
             <a:r>
-              <a:rPr lang="zh-CN"/>
+              <a:rPr lang="zh-CN" dirty="0"/>
               <a:t>进度报告</a:t>
             </a:r>
           </a:p>
@@ -10994,7 +10994,7 @@
             <a:pPr rtl="0"/>
             <a:r>
               <a:rPr lang="zh-CN" altLang="en-US" dirty="0"/>
-              <a:t>王聪</a:t>
+              <a:t>蒋祥涛</a:t>
             </a:r>
             <a:endParaRPr lang="zh-CN" dirty="0"/>
           </a:p>
